--- a/introduction.pptx
+++ b/introduction.pptx
@@ -222,7 +222,7 @@
           <a:p>
             <a:fld id="{9F9A982F-7DCF-41BF-923E-274CBF2AC153}" type="datetimeFigureOut">
               <a:rPr lang="zh-CN" altLang="en-US" smtClean="0"/>
-              <a:t>2020/9/10</a:t>
+              <a:t>2020/9/11</a:t>
             </a:fld>
             <a:endParaRPr lang="zh-CN" altLang="en-US"/>
           </a:p>
@@ -620,13 +620,13 @@
   <p:clrMapOvr>
     <a:masterClrMapping/>
   </p:clrMapOvr>
-  <mc:AlternateContent xmlns:mc="http://schemas.openxmlformats.org/markup-compatibility/2006">
-    <mc:Choice xmlns:p14="http://schemas.microsoft.com/office/powerpoint/2010/main" Requires="p14">
+  <mc:AlternateContent xmlns:mc="http://schemas.openxmlformats.org/markup-compatibility/2006" xmlns:p14="http://schemas.microsoft.com/office/powerpoint/2010/main">
+    <mc:Choice Requires="p14">
       <p:transition spd="med" p14:dur="700">
         <p:fade/>
       </p:transition>
     </mc:Choice>
-    <mc:Fallback>
+    <mc:Fallback xmlns="">
       <p:transition spd="med">
         <p:fade/>
       </p:transition>
@@ -739,7 +739,7 @@
           <a:p>
             <a:fld id="{9E66956F-FB34-48D3-AB80-9A0A78690187}" type="datetimeFigureOut">
               <a:rPr lang="zh-CN" altLang="en-US" smtClean="0"/>
-              <a:t>2020/9/10</a:t>
+              <a:t>2020/9/11</a:t>
             </a:fld>
             <a:endParaRPr lang="zh-CN" altLang="en-US"/>
           </a:p>
@@ -813,13 +813,13 @@
   <p:clrMapOvr>
     <a:masterClrMapping/>
   </p:clrMapOvr>
-  <mc:AlternateContent xmlns:mc="http://schemas.openxmlformats.org/markup-compatibility/2006">
-    <mc:Choice xmlns:p14="http://schemas.microsoft.com/office/powerpoint/2010/main" Requires="p14">
+  <mc:AlternateContent xmlns:mc="http://schemas.openxmlformats.org/markup-compatibility/2006" xmlns:p14="http://schemas.microsoft.com/office/powerpoint/2010/main">
+    <mc:Choice Requires="p14">
       <p:transition spd="med" p14:dur="700">
         <p:fade/>
       </p:transition>
     </mc:Choice>
-    <mc:Fallback>
+    <mc:Fallback xmlns="">
       <p:transition spd="med">
         <p:fade/>
       </p:transition>
@@ -897,7 +897,7 @@
           <a:p>
             <a:fld id="{9E66956F-FB34-48D3-AB80-9A0A78690187}" type="datetimeFigureOut">
               <a:rPr lang="zh-CN" altLang="en-US" smtClean="0"/>
-              <a:t>2020/9/10</a:t>
+              <a:t>2020/9/11</a:t>
             </a:fld>
             <a:endParaRPr lang="zh-CN" altLang="en-US"/>
           </a:p>
@@ -1053,13 +1053,13 @@
   <p:clrMapOvr>
     <a:masterClrMapping/>
   </p:clrMapOvr>
-  <mc:AlternateContent xmlns:mc="http://schemas.openxmlformats.org/markup-compatibility/2006">
-    <mc:Choice xmlns:p14="http://schemas.microsoft.com/office/powerpoint/2010/main" Requires="p14">
+  <mc:AlternateContent xmlns:mc="http://schemas.openxmlformats.org/markup-compatibility/2006" xmlns:p14="http://schemas.microsoft.com/office/powerpoint/2010/main">
+    <mc:Choice Requires="p14">
       <p:transition spd="med" p14:dur="700">
         <p:fade/>
       </p:transition>
     </mc:Choice>
-    <mc:Fallback>
+    <mc:Fallback xmlns="">
       <p:transition spd="med">
         <p:fade/>
       </p:transition>
@@ -1265,7 +1265,7 @@
           <a:p>
             <a:fld id="{9E66956F-FB34-48D3-AB80-9A0A78690187}" type="datetimeFigureOut">
               <a:rPr lang="zh-CN" altLang="en-US" smtClean="0"/>
-              <a:t>2020/9/10</a:t>
+              <a:t>2020/9/11</a:t>
             </a:fld>
             <a:endParaRPr lang="zh-CN" altLang="en-US"/>
           </a:p>
@@ -1362,13 +1362,13 @@
     <p:sldLayoutId id="2147483674" r:id="rId2"/>
     <p:sldLayoutId id="2147483675" r:id="rId3"/>
   </p:sldLayoutIdLst>
-  <mc:AlternateContent xmlns:mc="http://schemas.openxmlformats.org/markup-compatibility/2006">
-    <mc:Choice xmlns:p14="http://schemas.microsoft.com/office/powerpoint/2010/main" Requires="p14">
+  <mc:AlternateContent xmlns:mc="http://schemas.openxmlformats.org/markup-compatibility/2006" xmlns:p14="http://schemas.microsoft.com/office/powerpoint/2010/main">
+    <mc:Choice Requires="p14">
       <p:transition spd="med" p14:dur="700">
         <p:fade/>
       </p:transition>
     </mc:Choice>
-    <mc:Fallback>
+    <mc:Fallback xmlns="">
       <p:transition spd="med">
         <p:fade/>
       </p:transition>
@@ -1783,13 +1783,13 @@
   <p:clrMapOvr>
     <a:masterClrMapping/>
   </p:clrMapOvr>
-  <mc:AlternateContent xmlns:mc="http://schemas.openxmlformats.org/markup-compatibility/2006">
-    <mc:Choice xmlns:p14="http://schemas.microsoft.com/office/powerpoint/2010/main" Requires="p14">
+  <mc:AlternateContent xmlns:mc="http://schemas.openxmlformats.org/markup-compatibility/2006" xmlns:p14="http://schemas.microsoft.com/office/powerpoint/2010/main">
+    <mc:Choice Requires="p14">
       <p:transition spd="med" p14:dur="700">
         <p:fade/>
       </p:transition>
     </mc:Choice>
-    <mc:Fallback>
+    <mc:Fallback xmlns="">
       <p:transition spd="med">
         <p:fade/>
       </p:transition>
@@ -1953,13 +1953,13 @@
   <p:clrMapOvr>
     <a:masterClrMapping/>
   </p:clrMapOvr>
-  <mc:AlternateContent xmlns:mc="http://schemas.openxmlformats.org/markup-compatibility/2006">
-    <mc:Choice xmlns:p14="http://schemas.microsoft.com/office/powerpoint/2010/main" Requires="p14">
+  <mc:AlternateContent xmlns:mc="http://schemas.openxmlformats.org/markup-compatibility/2006" xmlns:p14="http://schemas.microsoft.com/office/powerpoint/2010/main">
+    <mc:Choice Requires="p14">
       <p:transition spd="med" p14:dur="700">
         <p:fade/>
       </p:transition>
     </mc:Choice>
-    <mc:Fallback>
+    <mc:Fallback xmlns="">
       <p:transition spd="med">
         <p:fade/>
       </p:transition>
@@ -2118,13 +2118,13 @@
   <p:clrMapOvr>
     <a:masterClrMapping/>
   </p:clrMapOvr>
-  <mc:AlternateContent xmlns:mc="http://schemas.openxmlformats.org/markup-compatibility/2006">
-    <mc:Choice xmlns:p14="http://schemas.microsoft.com/office/powerpoint/2010/main" Requires="p14">
+  <mc:AlternateContent xmlns:mc="http://schemas.openxmlformats.org/markup-compatibility/2006" xmlns:p14="http://schemas.microsoft.com/office/powerpoint/2010/main">
+    <mc:Choice Requires="p14">
       <p:transition spd="med" p14:dur="700">
         <p:fade/>
       </p:transition>
     </mc:Choice>
-    <mc:Fallback>
+    <mc:Fallback xmlns="">
       <p:transition spd="med">
         <p:fade/>
       </p:transition>
@@ -2235,13 +2235,13 @@
   <p:clrMapOvr>
     <a:masterClrMapping/>
   </p:clrMapOvr>
-  <mc:AlternateContent xmlns:mc="http://schemas.openxmlformats.org/markup-compatibility/2006">
-    <mc:Choice xmlns:p14="http://schemas.microsoft.com/office/powerpoint/2010/main" Requires="p14">
+  <mc:AlternateContent xmlns:mc="http://schemas.openxmlformats.org/markup-compatibility/2006" xmlns:p14="http://schemas.microsoft.com/office/powerpoint/2010/main">
+    <mc:Choice Requires="p14">
       <p:transition spd="med" p14:dur="700">
         <p:fade/>
       </p:transition>
     </mc:Choice>
-    <mc:Fallback>
+    <mc:Fallback xmlns="">
       <p:transition spd="med">
         <p:fade/>
       </p:transition>
@@ -2548,7 +2548,7 @@
               <a:t>+ </a:t>
             </a:r>
             <a:r>
-              <a:rPr lang="zh-CN" altLang="en-US"/>
+              <a:rPr lang="zh-CN" altLang="en-US" dirty="0"/>
               <a:t>实验报告（</a:t>
             </a:r>
             <a:r>
@@ -2571,9 +2571,10 @@
               <a:t>50</a:t>
             </a:r>
             <a:r>
-              <a:rPr lang="zh-CN" altLang="en-US" dirty="0"/>
+              <a:rPr lang="zh-CN" altLang="en-US"/>
               <a:t>）</a:t>
             </a:r>
+            <a:endParaRPr lang="zh-CN" altLang="en-US" dirty="0"/>
           </a:p>
         </p:txBody>
       </p:sp>
@@ -2610,13 +2611,13 @@
   <p:clrMapOvr>
     <a:masterClrMapping/>
   </p:clrMapOvr>
-  <mc:AlternateContent xmlns:mc="http://schemas.openxmlformats.org/markup-compatibility/2006">
-    <mc:Choice xmlns:p14="http://schemas.microsoft.com/office/powerpoint/2010/main" Requires="p14">
+  <mc:AlternateContent xmlns:mc="http://schemas.openxmlformats.org/markup-compatibility/2006" xmlns:p14="http://schemas.microsoft.com/office/powerpoint/2010/main">
+    <mc:Choice Requires="p14">
       <p:transition spd="med" p14:dur="700">
         <p:fade/>
       </p:transition>
     </mc:Choice>
-    <mc:Fallback>
+    <mc:Fallback xmlns="">
       <p:transition spd="med">
         <p:fade/>
       </p:transition>
@@ -2956,13 +2957,13 @@
   <p:clrMapOvr>
     <a:masterClrMapping/>
   </p:clrMapOvr>
-  <mc:AlternateContent xmlns:mc="http://schemas.openxmlformats.org/markup-compatibility/2006">
-    <mc:Choice xmlns:p14="http://schemas.microsoft.com/office/powerpoint/2010/main" Requires="p14">
+  <mc:AlternateContent xmlns:mc="http://schemas.openxmlformats.org/markup-compatibility/2006" xmlns:p14="http://schemas.microsoft.com/office/powerpoint/2010/main">
+    <mc:Choice Requires="p14">
       <p:transition spd="med" p14:dur="700">
         <p:fade/>
       </p:transition>
     </mc:Choice>
-    <mc:Fallback>
+    <mc:Fallback xmlns="">
       <p:transition spd="med">
         <p:fade/>
       </p:transition>
@@ -3367,13 +3368,13 @@
   <p:clrMapOvr>
     <a:masterClrMapping/>
   </p:clrMapOvr>
-  <mc:AlternateContent xmlns:mc="http://schemas.openxmlformats.org/markup-compatibility/2006">
-    <mc:Choice xmlns:p14="http://schemas.microsoft.com/office/powerpoint/2010/main" Requires="p14">
+  <mc:AlternateContent xmlns:mc="http://schemas.openxmlformats.org/markup-compatibility/2006" xmlns:p14="http://schemas.microsoft.com/office/powerpoint/2010/main">
+    <mc:Choice Requires="p14">
       <p:transition spd="med" p14:dur="700">
         <p:fade/>
       </p:transition>
     </mc:Choice>
-    <mc:Fallback>
+    <mc:Fallback xmlns="">
       <p:transition spd="med">
         <p:fade/>
       </p:transition>
@@ -3602,13 +3603,13 @@
   <p:clrMapOvr>
     <a:masterClrMapping/>
   </p:clrMapOvr>
-  <mc:AlternateContent xmlns:mc="http://schemas.openxmlformats.org/markup-compatibility/2006">
-    <mc:Choice xmlns:p14="http://schemas.microsoft.com/office/powerpoint/2010/main" Requires="p14">
+  <mc:AlternateContent xmlns:mc="http://schemas.openxmlformats.org/markup-compatibility/2006" xmlns:p14="http://schemas.microsoft.com/office/powerpoint/2010/main">
+    <mc:Choice Requires="p14">
       <p:transition spd="med" p14:dur="700">
         <p:fade/>
       </p:transition>
     </mc:Choice>
-    <mc:Fallback>
+    <mc:Fallback xmlns="">
       <p:transition spd="med">
         <p:fade/>
       </p:transition>
@@ -3751,13 +3752,13 @@
   <p:clrMapOvr>
     <a:masterClrMapping/>
   </p:clrMapOvr>
-  <mc:AlternateContent xmlns:mc="http://schemas.openxmlformats.org/markup-compatibility/2006">
-    <mc:Choice xmlns:p14="http://schemas.microsoft.com/office/powerpoint/2010/main" Requires="p14">
+  <mc:AlternateContent xmlns:mc="http://schemas.openxmlformats.org/markup-compatibility/2006" xmlns:p14="http://schemas.microsoft.com/office/powerpoint/2010/main">
+    <mc:Choice Requires="p14">
       <p:transition spd="med" p14:dur="700">
         <p:fade/>
       </p:transition>
     </mc:Choice>
-    <mc:Fallback>
+    <mc:Fallback xmlns="">
       <p:transition spd="med">
         <p:fade/>
       </p:transition>
@@ -4384,13 +4385,13 @@
   <p:clrMapOvr>
     <a:masterClrMapping/>
   </p:clrMapOvr>
-  <mc:AlternateContent xmlns:mc="http://schemas.openxmlformats.org/markup-compatibility/2006">
-    <mc:Choice xmlns:p14="http://schemas.microsoft.com/office/powerpoint/2010/main" Requires="p14">
+  <mc:AlternateContent xmlns:mc="http://schemas.openxmlformats.org/markup-compatibility/2006" xmlns:p14="http://schemas.microsoft.com/office/powerpoint/2010/main">
+    <mc:Choice Requires="p14">
       <p:transition spd="med" p14:dur="700">
         <p:fade/>
       </p:transition>
     </mc:Choice>
-    <mc:Fallback>
+    <mc:Fallback xmlns="">
       <p:transition spd="med">
         <p:fade/>
       </p:transition>
@@ -4619,13 +4620,13 @@
   <p:clrMapOvr>
     <a:masterClrMapping/>
   </p:clrMapOvr>
-  <mc:AlternateContent xmlns:mc="http://schemas.openxmlformats.org/markup-compatibility/2006">
-    <mc:Choice xmlns:p14="http://schemas.microsoft.com/office/powerpoint/2010/main" Requires="p14">
+  <mc:AlternateContent xmlns:mc="http://schemas.openxmlformats.org/markup-compatibility/2006" xmlns:p14="http://schemas.microsoft.com/office/powerpoint/2010/main">
+    <mc:Choice Requires="p14">
       <p:transition spd="med" p14:dur="700">
         <p:fade/>
       </p:transition>
     </mc:Choice>
-    <mc:Fallback>
+    <mc:Fallback xmlns="">
       <p:transition spd="med">
         <p:fade/>
       </p:transition>
@@ -4771,13 +4772,13 @@
   <p:clrMapOvr>
     <a:masterClrMapping/>
   </p:clrMapOvr>
-  <mc:AlternateContent xmlns:mc="http://schemas.openxmlformats.org/markup-compatibility/2006">
-    <mc:Choice xmlns:p14="http://schemas.microsoft.com/office/powerpoint/2010/main" Requires="p14">
+  <mc:AlternateContent xmlns:mc="http://schemas.openxmlformats.org/markup-compatibility/2006" xmlns:p14="http://schemas.microsoft.com/office/powerpoint/2010/main">
+    <mc:Choice Requires="p14">
       <p:transition spd="med" p14:dur="700">
         <p:fade/>
       </p:transition>
     </mc:Choice>
-    <mc:Fallback>
+    <mc:Fallback xmlns="">
       <p:transition spd="med">
         <p:fade/>
       </p:transition>
@@ -5230,13 +5231,13 @@
   <p:clrMapOvr>
     <a:masterClrMapping/>
   </p:clrMapOvr>
-  <mc:AlternateContent xmlns:mc="http://schemas.openxmlformats.org/markup-compatibility/2006">
-    <mc:Choice xmlns:p14="http://schemas.microsoft.com/office/powerpoint/2010/main" Requires="p14">
+  <mc:AlternateContent xmlns:mc="http://schemas.openxmlformats.org/markup-compatibility/2006" xmlns:p14="http://schemas.microsoft.com/office/powerpoint/2010/main">
+    <mc:Choice Requires="p14">
       <p:transition spd="med" p14:dur="700">
         <p:fade/>
       </p:transition>
     </mc:Choice>
-    <mc:Fallback>
+    <mc:Fallback xmlns="">
       <p:transition spd="med">
         <p:fade/>
       </p:transition>
@@ -5760,13 +5761,13 @@
   <p:clrMapOvr>
     <a:masterClrMapping/>
   </p:clrMapOvr>
-  <mc:AlternateContent xmlns:mc="http://schemas.openxmlformats.org/markup-compatibility/2006">
-    <mc:Choice xmlns:p14="http://schemas.microsoft.com/office/powerpoint/2010/main" Requires="p14">
+  <mc:AlternateContent xmlns:mc="http://schemas.openxmlformats.org/markup-compatibility/2006" xmlns:p14="http://schemas.microsoft.com/office/powerpoint/2010/main">
+    <mc:Choice Requires="p14">
       <p:transition spd="med" p14:dur="700">
         <p:fade/>
       </p:transition>
     </mc:Choice>
-    <mc:Fallback>
+    <mc:Fallback xmlns="">
       <p:transition spd="med">
         <p:fade/>
       </p:transition>
@@ -6345,13 +6346,13 @@
   <p:clrMapOvr>
     <a:masterClrMapping/>
   </p:clrMapOvr>
-  <mc:AlternateContent xmlns:mc="http://schemas.openxmlformats.org/markup-compatibility/2006">
-    <mc:Choice xmlns:p14="http://schemas.microsoft.com/office/powerpoint/2010/main" Requires="p14">
+  <mc:AlternateContent xmlns:mc="http://schemas.openxmlformats.org/markup-compatibility/2006" xmlns:p14="http://schemas.microsoft.com/office/powerpoint/2010/main">
+    <mc:Choice Requires="p14">
       <p:transition spd="med" p14:dur="700">
         <p:fade/>
       </p:transition>
     </mc:Choice>
-    <mc:Fallback>
+    <mc:Fallback xmlns="">
       <p:transition spd="med">
         <p:fade/>
       </p:transition>
